--- a/Movies.pptx
+++ b/Movies.pptx
@@ -7,10 +7,12 @@
   <p:sldIdLst>
     <p:sldId id="256" r:id="rId2"/>
     <p:sldId id="257" r:id="rId3"/>
-    <p:sldId id="258" r:id="rId4"/>
-    <p:sldId id="266" r:id="rId5"/>
-    <p:sldId id="265" r:id="rId6"/>
-    <p:sldId id="267" r:id="rId7"/>
+    <p:sldId id="268" r:id="rId4"/>
+    <p:sldId id="269" r:id="rId5"/>
+    <p:sldId id="270" r:id="rId6"/>
+    <p:sldId id="271" r:id="rId7"/>
+    <p:sldId id="272" r:id="rId8"/>
+    <p:sldId id="265" r:id="rId9"/>
   </p:sldIdLst>
   <p:sldSz cx="12192000" cy="6858000"/>
   <p:notesSz cx="6858000" cy="9144000"/>
@@ -109,6 +111,11 @@
       </a:defRPr>
     </a:lvl9pPr>
   </p:defaultTextStyle>
+  <p:extLst>
+    <p:ext uri="{EFAFB233-063F-42B5-8137-9DF3F51BA10A}">
+      <p15:sldGuideLst xmlns:p15="http://schemas.microsoft.com/office/powerpoint/2012/main"/>
+    </p:ext>
+  </p:extLst>
 </p:presentation>
 </file>
 
@@ -1055,8 +1062,8 @@
         <a:lstStyle/>
         <a:p>
           <a:r>
-            <a:rPr lang="en-US"/>
-            <a:t>USER RATINGS INCREASE IF MOVIES HAVE MORE THAN ONE GENRE </a:t>
+            <a:rPr lang="en-US" dirty="0"/>
+            <a:t>CERTAIN GENRES HAVE HIGHER SCORES THAN OTHERS</a:t>
           </a:r>
         </a:p>
       </dgm:t>
@@ -1091,8 +1098,8 @@
         <a:lstStyle/>
         <a:p>
           <a:r>
-            <a:rPr lang="en-US"/>
-            <a:t>INCREASE OF USER SCORE ON MOVIES THROUGHOUT TIME</a:t>
+            <a:rPr lang="en-US" dirty="0"/>
+            <a:t>MORE RECENT MOVIES ARE CONSIDERED CRAPPY</a:t>
           </a:r>
         </a:p>
       </dgm:t>
@@ -1127,8 +1134,8 @@
         <a:lstStyle/>
         <a:p>
           <a:r>
-            <a:rPr lang="en-US"/>
-            <a:t>EACH FILMS PROFIT ON OPENING DAY </a:t>
+            <a:rPr lang="en-US" dirty="0"/>
+            <a:t>EACH FILMS PROFIT DON’T DETERMINE USER SCORE (BIG BUDGET MOVIES)</a:t>
           </a:r>
         </a:p>
       </dgm:t>
@@ -1448,8 +1455,8 @@
             <a:buNone/>
           </a:pPr>
           <a:r>
-            <a:rPr lang="en-US" sz="1700" kern="1200"/>
-            <a:t>USER RATINGS INCREASE IF MOVIES HAVE MORE THAN ONE GENRE </a:t>
+            <a:rPr lang="en-US" sz="1700" kern="1200" dirty="0"/>
+            <a:t>CERTAIN GENRES HAVE HIGHER SCORES THAN OTHERS</a:t>
           </a:r>
         </a:p>
       </dsp:txBody>
@@ -1557,8 +1564,8 @@
             <a:buNone/>
           </a:pPr>
           <a:r>
-            <a:rPr lang="en-US" sz="1700" kern="1200"/>
-            <a:t>INCREASE OF USER SCORE ON MOVIES THROUGHOUT TIME</a:t>
+            <a:rPr lang="en-US" sz="1700" kern="1200" dirty="0"/>
+            <a:t>MORE RECENT MOVIES ARE CONSIDERED CRAPPY</a:t>
           </a:r>
         </a:p>
       </dsp:txBody>
@@ -1666,8 +1673,8 @@
             <a:buNone/>
           </a:pPr>
           <a:r>
-            <a:rPr lang="en-US" sz="1700" kern="1200"/>
-            <a:t>EACH FILMS PROFIT ON OPENING DAY </a:t>
+            <a:rPr lang="en-US" sz="1700" kern="1200" dirty="0"/>
+            <a:t>EACH FILMS PROFIT DON’T DETERMINE USER SCORE (BIG BUDGET MOVIES)</a:t>
           </a:r>
         </a:p>
       </dsp:txBody>
@@ -9089,14 +9096,6 @@
 <file path=ppt/slides/slide3.xml><?xml version="1.0" encoding="utf-8"?>
 <p:sld xmlns:a="http://schemas.openxmlformats.org/drawingml/2006/main" xmlns:r="http://schemas.openxmlformats.org/officeDocument/2006/relationships" xmlns:p="http://schemas.openxmlformats.org/presentationml/2006/main">
   <p:cSld>
-    <p:bg>
-      <p:bgPr>
-        <a:solidFill>
-          <a:schemeClr val="bg1"/>
-        </a:solidFill>
-        <a:effectLst/>
-      </p:bgPr>
-    </p:bg>
     <p:spTree>
       <p:nvGrpSpPr>
         <p:cNvPr id="1" name=""/>
@@ -9111,27 +9110,106 @@
           <a:chExt cx="0" cy="0"/>
         </a:xfrm>
       </p:grpSpPr>
+      <p:sp>
+        <p:nvSpPr>
+          <p:cNvPr id="4" name="Title 3">
+            <a:extLst>
+              <a:ext uri="{FF2B5EF4-FFF2-40B4-BE49-F238E27FC236}">
+                <a16:creationId xmlns:a16="http://schemas.microsoft.com/office/drawing/2014/main" id="{01E2B0E6-BDA0-AA48-905A-93BB1710162E}"/>
+              </a:ext>
+            </a:extLst>
+          </p:cNvPr>
+          <p:cNvSpPr>
+            <a:spLocks noGrp="1"/>
+          </p:cNvSpPr>
+          <p:nvPr>
+            <p:ph type="title"/>
+          </p:nvPr>
+        </p:nvSpPr>
+        <p:spPr>
+          <a:xfrm>
+            <a:off x="914408" y="762000"/>
+            <a:ext cx="10591792" cy="674914"/>
+          </a:xfrm>
+        </p:spPr>
+        <p:txBody>
+          <a:bodyPr>
+            <a:normAutofit fontScale="90000"/>
+          </a:bodyPr>
+          <a:lstStyle/>
+          <a:p>
+            <a:pPr algn="ctr"/>
+            <a:r>
+              <a:rPr lang="en-US" sz="2700" dirty="0"/>
+              <a:t>Figure 1 – The Average Score Distribution of Movies on IMDb Broadens Downward Over Time.</a:t>
+            </a:r>
+            <a:br>
+              <a:rPr lang="en-US" dirty="0"/>
+            </a:br>
+            <a:endParaRPr lang="en-US" dirty="0"/>
+          </a:p>
+        </p:txBody>
+      </p:sp>
+      <p:sp>
+        <p:nvSpPr>
+          <p:cNvPr id="5" name="Text Placeholder 4">
+            <a:extLst>
+              <a:ext uri="{FF2B5EF4-FFF2-40B4-BE49-F238E27FC236}">
+                <a16:creationId xmlns:a16="http://schemas.microsoft.com/office/drawing/2014/main" id="{F0DCEFA8-AC86-5941-BF66-EA54CBAECE02}"/>
+              </a:ext>
+            </a:extLst>
+          </p:cNvPr>
+          <p:cNvSpPr>
+            <a:spLocks noGrp="1"/>
+          </p:cNvSpPr>
+          <p:nvPr>
+            <p:ph type="body" idx="1"/>
+          </p:nvPr>
+        </p:nvSpPr>
+        <p:spPr>
+          <a:xfrm>
+            <a:off x="925521" y="1665514"/>
+            <a:ext cx="10239367" cy="1570800"/>
+          </a:xfrm>
+        </p:spPr>
+        <p:txBody>
+          <a:bodyPr>
+            <a:normAutofit fontScale="55000" lnSpcReduction="20000"/>
+          </a:bodyPr>
+          <a:lstStyle/>
+          <a:p>
+            <a:r>
+              <a:rPr lang="en-US" dirty="0"/>
+              <a:t>Throughout time the central tendency of the score data doesn’t change all that much. From the 1920s onward, most of the movies are getting average scores between a 5 and a 7. The most obvious change that can be observed is the broadening of the scores into the lower reaches of the scale. In the earliest movies there are practically no cases of movies with average scores lower than 4, but by 2000 these became fairly common, and they got more common as the 21</a:t>
+            </a:r>
+            <a:r>
+              <a:rPr lang="en-US" baseline="30000" dirty="0"/>
+              <a:t>st</a:t>
+            </a:r>
+            <a:r>
+              <a:rPr lang="en-US" dirty="0"/>
+              <a:t> century progressed. There are a number of interpretations we could make for this trend, but all of them are speculative. It could be that as the movie industry progressed, more movies are being released that are considered “bad” (boring, tasteless, offensive, etc.) or it could be that the bad ones from the early days have been forgotten, and are not included in the database. </a:t>
+            </a:r>
+          </a:p>
+          <a:p>
+            <a:endParaRPr lang="en-US" dirty="0"/>
+          </a:p>
+        </p:txBody>
+      </p:sp>
       <p:pic>
         <p:nvPicPr>
-          <p:cNvPr id="10" name="Picture 9">
+          <p:cNvPr id="9" name="Content Placeholder 8">
             <a:extLst>
               <a:ext uri="{FF2B5EF4-FFF2-40B4-BE49-F238E27FC236}">
-                <a16:creationId xmlns:a16="http://schemas.microsoft.com/office/drawing/2014/main" id="{9A22DDE2-FB2D-421B-B377-F9AD495CE9BB}"/>
-              </a:ext>
-              <a:ext uri="{C183D7F6-B498-43B3-948B-1728B52AA6E4}">
-                <adec:decorative xmlns:adec="http://schemas.microsoft.com/office/drawing/2017/decorative" val="1"/>
+                <a16:creationId xmlns:a16="http://schemas.microsoft.com/office/drawing/2014/main" id="{A0CDAF76-970E-D442-AE64-16E09EBA0A6D}"/>
               </a:ext>
             </a:extLst>
           </p:cNvPr>
           <p:cNvPicPr>
-            <a:picLocks noGrp="1" noRot="1" noChangeAspect="1" noMove="1" noResize="1" noEditPoints="1" noAdjustHandles="1" noChangeArrowheads="1" noChangeShapeType="1" noCrop="1"/>
+            <a:picLocks noGrp="1"/>
           </p:cNvPicPr>
           <p:nvPr>
-            <p:extLst>
-              <p:ext uri="{386F3935-93C4-4BCD-93E2-E3B085C9AB24}">
-                <p16:designElem xmlns:p16="http://schemas.microsoft.com/office/powerpoint/2015/main" val="1"/>
-              </p:ext>
-            </p:extLst>
+            <p:ph sz="half" idx="2"/>
           </p:nvPr>
         </p:nvPicPr>
         <p:blipFill>
@@ -9142,233 +9220,42 @@
               </a:ext>
             </a:extLst>
           </a:blip>
+          <a:srcRect/>
           <a:stretch>
             <a:fillRect/>
           </a:stretch>
         </p:blipFill>
-        <p:spPr>
-          <a:xfrm>
-            <a:off x="0" y="0"/>
-            <a:ext cx="12192000" cy="1441450"/>
+        <p:spPr bwMode="auto">
+          <a:xfrm>
+            <a:off x="1027112" y="3132138"/>
+            <a:ext cx="4629150" cy="3086100"/>
           </a:xfrm>
           <a:prstGeom prst="rect">
             <a:avLst/>
           </a:prstGeom>
-        </p:spPr>
-      </p:pic>
-      <p:sp>
-        <p:nvSpPr>
-          <p:cNvPr id="12" name="Rounded Rectangle 14">
-            <a:extLst>
-              <a:ext uri="{FF2B5EF4-FFF2-40B4-BE49-F238E27FC236}">
-                <a16:creationId xmlns:a16="http://schemas.microsoft.com/office/drawing/2014/main" id="{637BD688-14A6-4B96-B8A2-3CD81C054FCE}"/>
-              </a:ext>
-              <a:ext uri="{C183D7F6-B498-43B3-948B-1728B52AA6E4}">
-                <adec:decorative xmlns:adec="http://schemas.microsoft.com/office/drawing/2017/decorative" val="1"/>
-              </a:ext>
-            </a:extLst>
-          </p:cNvPr>
-          <p:cNvSpPr>
-            <a:spLocks noGrp="1" noRot="1" noChangeAspect="1" noMove="1" noResize="1" noEditPoints="1" noAdjustHandles="1" noChangeArrowheads="1" noChangeShapeType="1" noTextEdit="1"/>
-          </p:cNvSpPr>
-          <p:nvPr>
-            <p:extLst>
-              <p:ext uri="{386F3935-93C4-4BCD-93E2-E3B085C9AB24}">
-                <p16:designElem xmlns:p16="http://schemas.microsoft.com/office/powerpoint/2015/main" val="1"/>
-              </p:ext>
-            </p:extLst>
-          </p:nvPr>
-        </p:nvSpPr>
-        <p:spPr>
-          <a:xfrm>
-            <a:off x="4636008" y="0"/>
-            <a:ext cx="7555992" cy="6858000"/>
-          </a:xfrm>
-          <a:prstGeom prst="rect">
-            <a:avLst/>
-          </a:prstGeom>
-          <a:solidFill>
-            <a:schemeClr val="bg2"/>
-          </a:solidFill>
+          <a:noFill/>
           <a:ln>
             <a:noFill/>
           </a:ln>
-          <a:effectLst/>
-        </p:spPr>
-        <p:style>
-          <a:lnRef idx="2">
-            <a:schemeClr val="accent1">
-              <a:shade val="50000"/>
-            </a:schemeClr>
-          </a:lnRef>
-          <a:fillRef idx="1">
-            <a:schemeClr val="accent1"/>
-          </a:fillRef>
-          <a:effectRef idx="0">
-            <a:schemeClr val="accent1"/>
-          </a:effectRef>
-          <a:fontRef idx="minor">
-            <a:schemeClr val="lt1"/>
-          </a:fontRef>
-        </p:style>
-        <p:txBody>
-          <a:bodyPr rtlCol="0" anchor="ctr"/>
-          <a:lstStyle/>
-          <a:p>
-            <a:pPr marL="0" marR="0" lvl="0" indent="0" algn="ctr" defTabSz="457200" rtl="0" eaLnBrk="1" fontAlgn="auto" latinLnBrk="0" hangingPunct="1">
-              <a:lnSpc>
-                <a:spcPct val="100000"/>
-              </a:lnSpc>
-              <a:spcBef>
-                <a:spcPts val="0"/>
-              </a:spcBef>
-              <a:spcAft>
-                <a:spcPts val="0"/>
-              </a:spcAft>
-              <a:buClrTx/>
-              <a:buSzTx/>
-              <a:buFontTx/>
-              <a:buNone/>
-              <a:tabLst/>
-              <a:defRPr/>
-            </a:pPr>
-            <a:endParaRPr kumimoji="0" lang="en-US" sz="1800" b="0" i="0" u="none" strike="noStrike" kern="1200" cap="none" spc="0" normalizeH="0" baseline="0" noProof="0">
-              <a:ln>
-                <a:noFill/>
-              </a:ln>
-              <a:solidFill>
-                <a:prstClr val="white"/>
-              </a:solidFill>
-              <a:effectLst/>
-              <a:uLnTx/>
-              <a:uFillTx/>
-              <a:latin typeface="Century Gothic" panose="020B0502020202020204"/>
-              <a:ea typeface="+mn-ea"/>
-              <a:cs typeface="+mn-cs"/>
-            </a:endParaRPr>
-          </a:p>
-        </p:txBody>
-      </p:sp>
-      <p:sp useBgFill="1">
-        <p:nvSpPr>
-          <p:cNvPr id="14" name="Rectangle 13">
+        </p:spPr>
+      </p:pic>
+      <p:pic>
+        <p:nvPicPr>
+          <p:cNvPr id="10" name="Content Placeholder 9">
             <a:extLst>
               <a:ext uri="{FF2B5EF4-FFF2-40B4-BE49-F238E27FC236}">
-                <a16:creationId xmlns:a16="http://schemas.microsoft.com/office/drawing/2014/main" id="{B7B2544F-CA5E-40F6-9525-716A90C83FC5}"/>
-              </a:ext>
-              <a:ext uri="{C183D7F6-B498-43B3-948B-1728B52AA6E4}">
-                <adec:decorative xmlns:adec="http://schemas.microsoft.com/office/drawing/2017/decorative" val="1"/>
-              </a:ext>
-            </a:extLst>
-          </p:cNvPr>
-          <p:cNvSpPr>
-            <a:spLocks noGrp="1" noRot="1" noChangeAspect="1" noMove="1" noResize="1" noEditPoints="1" noAdjustHandles="1" noChangeArrowheads="1" noChangeShapeType="1" noTextEdit="1"/>
-          </p:cNvSpPr>
-          <p:nvPr>
-            <p:extLst>
-              <p:ext uri="{386F3935-93C4-4BCD-93E2-E3B085C9AB24}">
-                <p16:designElem xmlns:p16="http://schemas.microsoft.com/office/powerpoint/2015/main" val="1"/>
-              </p:ext>
-            </p:extLst>
-          </p:nvPr>
-        </p:nvSpPr>
-        <p:spPr>
-          <a:xfrm>
-            <a:off x="0" y="0"/>
-            <a:ext cx="4636008" cy="6858000"/>
-          </a:xfrm>
-          <a:prstGeom prst="rect">
-            <a:avLst/>
-          </a:prstGeom>
-          <a:ln>
-            <a:noFill/>
-          </a:ln>
-          <a:effectLst>
-            <a:outerShdw blurRad="63500" dist="38100" algn="l" rotWithShape="0">
-              <a:prstClr val="black">
-                <a:alpha val="40000"/>
-              </a:prstClr>
-            </a:outerShdw>
-          </a:effectLst>
-        </p:spPr>
-        <p:style>
-          <a:lnRef idx="2">
-            <a:schemeClr val="accent1">
-              <a:shade val="50000"/>
-            </a:schemeClr>
-          </a:lnRef>
-          <a:fillRef idx="1">
-            <a:schemeClr val="accent1"/>
-          </a:fillRef>
-          <a:effectRef idx="0">
-            <a:schemeClr val="accent1"/>
-          </a:effectRef>
-          <a:fontRef idx="minor">
-            <a:schemeClr val="lt1"/>
-          </a:fontRef>
-        </p:style>
-        <p:txBody>
-          <a:bodyPr rtlCol="0" anchor="ctr"/>
-          <a:lstStyle/>
-          <a:p>
-            <a:pPr marL="0" marR="0" lvl="0" indent="0" algn="ctr" defTabSz="457200" rtl="0" eaLnBrk="1" fontAlgn="auto" latinLnBrk="0" hangingPunct="1">
-              <a:lnSpc>
-                <a:spcPct val="100000"/>
-              </a:lnSpc>
-              <a:spcBef>
-                <a:spcPts val="0"/>
-              </a:spcBef>
-              <a:spcAft>
-                <a:spcPts val="0"/>
-              </a:spcAft>
-              <a:buClrTx/>
-              <a:buSzTx/>
-              <a:buFontTx/>
-              <a:buNone/>
-              <a:tabLst/>
-              <a:defRPr/>
-            </a:pPr>
-            <a:endParaRPr kumimoji="0" lang="en-US" sz="1800" b="0" i="0" u="none" strike="noStrike" kern="1200" cap="none" spc="0" normalizeH="0" baseline="0" noProof="0">
-              <a:ln>
-                <a:noFill/>
-              </a:ln>
-              <a:solidFill>
-                <a:prstClr val="white"/>
-              </a:solidFill>
-              <a:effectLst/>
-              <a:uLnTx/>
-              <a:uFillTx/>
-              <a:latin typeface="Century Gothic" panose="020B0502020202020204"/>
-              <a:ea typeface="+mn-ea"/>
-              <a:cs typeface="+mn-cs"/>
-            </a:endParaRPr>
-          </a:p>
-        </p:txBody>
-      </p:sp>
-      <p:pic>
-        <p:nvPicPr>
-          <p:cNvPr id="16" name="Picture 15">
-            <a:extLst>
-              <a:ext uri="{FF2B5EF4-FFF2-40B4-BE49-F238E27FC236}">
-                <a16:creationId xmlns:a16="http://schemas.microsoft.com/office/drawing/2014/main" id="{D2B93162-635C-46F5-97EC-E98C1659F1F0}"/>
-              </a:ext>
-              <a:ext uri="{C183D7F6-B498-43B3-948B-1728B52AA6E4}">
-                <adec:decorative xmlns:adec="http://schemas.microsoft.com/office/drawing/2017/decorative" val="1"/>
+                <a16:creationId xmlns:a16="http://schemas.microsoft.com/office/drawing/2014/main" id="{3A7F68C4-F1E5-2848-A7AE-B25F8F2470D7}"/>
               </a:ext>
             </a:extLst>
           </p:cNvPr>
           <p:cNvPicPr>
-            <a:picLocks noGrp="1" noRot="1" noChangeAspect="1" noMove="1" noResize="1" noEditPoints="1" noAdjustHandles="1" noChangeArrowheads="1" noChangeShapeType="1" noCrop="1"/>
+            <a:picLocks noGrp="1"/>
           </p:cNvPicPr>
           <p:nvPr>
-            <p:extLst>
-              <p:ext uri="{386F3935-93C4-4BCD-93E2-E3B085C9AB24}">
-                <p16:designElem xmlns:p16="http://schemas.microsoft.com/office/powerpoint/2015/main" val="1"/>
-              </p:ext>
-            </p:extLst>
+            <p:ph sz="quarter" idx="4"/>
           </p:nvPr>
         </p:nvPicPr>
-        <p:blipFill rotWithShape="1">
+        <p:blipFill>
           <a:blip r:embed="rId3">
             <a:extLst>
               <a:ext uri="{28A0092B-C50C-407E-A947-70E740481C1C}">
@@ -9376,108 +9263,29 @@
               </a:ext>
             </a:extLst>
           </a:blip>
-          <a:srcRect r="61975"/>
-          <a:stretch/>
+          <a:srcRect/>
+          <a:stretch>
+            <a:fillRect/>
+          </a:stretch>
         </p:blipFill>
-        <p:spPr>
-          <a:xfrm>
-            <a:off x="0" y="4375150"/>
-            <a:ext cx="4636008" cy="2482850"/>
+        <p:spPr bwMode="auto">
+          <a:xfrm>
+            <a:off x="6524625" y="3132138"/>
+            <a:ext cx="4629150" cy="3086100"/>
           </a:xfrm>
           <a:prstGeom prst="rect">
             <a:avLst/>
           </a:prstGeom>
+          <a:noFill/>
+          <a:ln>
+            <a:noFill/>
+          </a:ln>
         </p:spPr>
       </p:pic>
-      <p:sp>
-        <p:nvSpPr>
-          <p:cNvPr id="2" name="Title 1">
-            <a:extLst>
-              <a:ext uri="{FF2B5EF4-FFF2-40B4-BE49-F238E27FC236}">
-                <a16:creationId xmlns:a16="http://schemas.microsoft.com/office/drawing/2014/main" id="{021CC692-10AA-474C-9573-1348CE564686}"/>
-              </a:ext>
-            </a:extLst>
-          </p:cNvPr>
-          <p:cNvSpPr>
-            <a:spLocks noGrp="1"/>
-          </p:cNvSpPr>
-          <p:nvPr>
-            <p:ph type="title"/>
-          </p:nvPr>
-        </p:nvSpPr>
-        <p:spPr>
-          <a:xfrm>
-            <a:off x="665922" y="987287"/>
-            <a:ext cx="3548269" cy="4697896"/>
-          </a:xfrm>
-        </p:spPr>
-        <p:txBody>
-          <a:bodyPr vert="horz" lIns="91440" tIns="45720" rIns="91440" bIns="45720" rtlCol="0" anchor="ctr">
-            <a:normAutofit/>
-          </a:bodyPr>
-          <a:lstStyle/>
-          <a:p>
-            <a:pPr algn="r"/>
-            <a:r>
-              <a:rPr lang="en-US" sz="3600" dirty="0"/>
-              <a:t>research</a:t>
-            </a:r>
-          </a:p>
-        </p:txBody>
-      </p:sp>
-      <p:sp>
-        <p:nvSpPr>
-          <p:cNvPr id="5" name="Text Placeholder 4">
-            <a:extLst>
-              <a:ext uri="{FF2B5EF4-FFF2-40B4-BE49-F238E27FC236}">
-                <a16:creationId xmlns:a16="http://schemas.microsoft.com/office/drawing/2014/main" id="{E0B43472-FB5D-7749-A3BF-A492F2FE9680}"/>
-              </a:ext>
-            </a:extLst>
-          </p:cNvPr>
-          <p:cNvSpPr>
-            <a:spLocks noGrp="1"/>
-          </p:cNvSpPr>
-          <p:nvPr>
-            <p:ph type="body" sz="half" idx="2"/>
-          </p:nvPr>
-        </p:nvSpPr>
-        <p:spPr>
-          <a:xfrm>
-            <a:off x="5057825" y="987287"/>
-            <a:ext cx="5755949" cy="4697895"/>
-          </a:xfrm>
-        </p:spPr>
-        <p:txBody>
-          <a:bodyPr vert="horz" lIns="91440" tIns="45720" rIns="91440" bIns="45720" rtlCol="0" anchor="ctr">
-            <a:normAutofit/>
-          </a:bodyPr>
-          <a:lstStyle/>
-          <a:p>
-            <a:pPr indent="-228600">
-              <a:buFont typeface="Arial" panose="020B0604020202020204" pitchFamily="34" charset="0"/>
-              <a:buChar char="•"/>
-            </a:pPr>
-            <a:r>
-              <a:rPr lang="en-US" sz="1800" dirty="0"/>
-              <a:t>Kaggle</a:t>
-            </a:r>
-          </a:p>
-          <a:p>
-            <a:pPr indent="-228600">
-              <a:buFont typeface="Arial" panose="020B0604020202020204" pitchFamily="34" charset="0"/>
-              <a:buChar char="•"/>
-            </a:pPr>
-            <a:r>
-              <a:rPr lang="en-US" sz="1800" dirty="0"/>
-              <a:t>IMDb </a:t>
-            </a:r>
-          </a:p>
-        </p:txBody>
-      </p:sp>
     </p:spTree>
     <p:extLst>
       <p:ext uri="{BB962C8B-B14F-4D97-AF65-F5344CB8AC3E}">
-        <p14:creationId xmlns:p14="http://schemas.microsoft.com/office/powerpoint/2010/main" val="348022702"/>
+        <p14:creationId xmlns:p14="http://schemas.microsoft.com/office/powerpoint/2010/main" val="2349728449"/>
       </p:ext>
     </p:extLst>
   </p:cSld>
@@ -9490,38 +9298,6 @@
 <file path=ppt/slides/slide4.xml><?xml version="1.0" encoding="utf-8"?>
 <p:sld xmlns:a="http://schemas.openxmlformats.org/drawingml/2006/main" xmlns:r="http://schemas.openxmlformats.org/officeDocument/2006/relationships" xmlns:p="http://schemas.openxmlformats.org/presentationml/2006/main">
   <p:cSld>
-    <p:bg>
-      <p:bgPr>
-        <a:gradFill rotWithShape="1">
-          <a:gsLst>
-            <a:gs pos="0">
-              <a:schemeClr val="bg1">
-                <a:tint val="93000"/>
-                <a:shade val="98000"/>
-                <a:satMod val="150000"/>
-                <a:lumMod val="102000"/>
-              </a:schemeClr>
-            </a:gs>
-            <a:gs pos="50000">
-              <a:schemeClr val="bg1">
-                <a:tint val="98000"/>
-                <a:shade val="90000"/>
-                <a:satMod val="130000"/>
-                <a:lumMod val="103000"/>
-              </a:schemeClr>
-            </a:gs>
-            <a:gs pos="100000">
-              <a:schemeClr val="bg1">
-                <a:shade val="63000"/>
-                <a:satMod val="120000"/>
-              </a:schemeClr>
-            </a:gs>
-          </a:gsLst>
-          <a:lin ang="5400000" scaled="0"/>
-        </a:gradFill>
-        <a:effectLst/>
-      </p:bgPr>
-    </p:bg>
     <p:spTree>
       <p:nvGrpSpPr>
         <p:cNvPr id="1" name=""/>
@@ -9536,312 +9312,794 @@
           <a:chExt cx="0" cy="0"/>
         </a:xfrm>
       </p:grpSpPr>
-      <p:sp useBgFill="1">
-        <p:nvSpPr>
-          <p:cNvPr id="32" name="Rectangle 31">
+      <p:sp>
+        <p:nvSpPr>
+          <p:cNvPr id="2" name="Title 1">
             <a:extLst>
               <a:ext uri="{FF2B5EF4-FFF2-40B4-BE49-F238E27FC236}">
-                <a16:creationId xmlns:a16="http://schemas.microsoft.com/office/drawing/2014/main" id="{FB0F52CA-65A7-4535-BF3C-22D126766D12}"/>
-              </a:ext>
-              <a:ext uri="{C183D7F6-B498-43B3-948B-1728B52AA6E4}">
-                <adec:decorative xmlns:adec="http://schemas.microsoft.com/office/drawing/2017/decorative" val="1"/>
+                <a16:creationId xmlns:a16="http://schemas.microsoft.com/office/drawing/2014/main" id="{1BD815A3-3E12-4148-B553-F6C9B6FEA7FA}"/>
               </a:ext>
             </a:extLst>
           </p:cNvPr>
           <p:cNvSpPr>
-            <a:spLocks noGrp="1" noRot="1" noChangeAspect="1" noMove="1" noResize="1" noEditPoints="1" noAdjustHandles="1" noChangeArrowheads="1" noChangeShapeType="1" noTextEdit="1"/>
-          </p:cNvSpPr>
-          <p:nvPr>
-            <p:extLst>
-              <p:ext uri="{386F3935-93C4-4BCD-93E2-E3B085C9AB24}">
-                <p16:designElem xmlns:p16="http://schemas.microsoft.com/office/powerpoint/2015/main" val="1"/>
-              </p:ext>
-            </p:extLst>
+            <a:spLocks noGrp="1"/>
+          </p:cNvSpPr>
+          <p:nvPr>
+            <p:ph type="title"/>
           </p:nvPr>
         </p:nvSpPr>
         <p:spPr>
           <a:xfrm>
-            <a:off x="0" y="2286000"/>
-            <a:ext cx="12192000" cy="4572000"/>
+            <a:off x="914409" y="914400"/>
+            <a:ext cx="10591791" cy="609600"/>
+          </a:xfrm>
+        </p:spPr>
+        <p:txBody>
+          <a:bodyPr>
+            <a:normAutofit fontScale="90000"/>
+          </a:bodyPr>
+          <a:lstStyle/>
+          <a:p>
+            <a:pPr algn="ctr"/>
+            <a:r>
+              <a:rPr lang="en-US" sz="2200" dirty="0"/>
+              <a:t>Figure 2 – The Number of Votes for an Average Movie is Consistently Low - With Significant Outliers. </a:t>
+            </a:r>
+            <a:br>
+              <a:rPr lang="en-US" dirty="0"/>
+            </a:br>
+            <a:endParaRPr lang="en-US" dirty="0"/>
+          </a:p>
+        </p:txBody>
+      </p:sp>
+      <p:sp>
+        <p:nvSpPr>
+          <p:cNvPr id="3" name="Text Placeholder 2">
+            <a:extLst>
+              <a:ext uri="{FF2B5EF4-FFF2-40B4-BE49-F238E27FC236}">
+                <a16:creationId xmlns:a16="http://schemas.microsoft.com/office/drawing/2014/main" id="{42D7F72F-18E8-1C46-9030-2F07E98313A6}"/>
+              </a:ext>
+            </a:extLst>
+          </p:cNvPr>
+          <p:cNvSpPr>
+            <a:spLocks noGrp="1"/>
+          </p:cNvSpPr>
+          <p:nvPr>
+            <p:ph type="body" idx="1"/>
+          </p:nvPr>
+        </p:nvSpPr>
+        <p:spPr>
+          <a:xfrm>
+            <a:off x="1027112" y="1790855"/>
+            <a:ext cx="10272259" cy="1527257"/>
+          </a:xfrm>
+        </p:spPr>
+        <p:txBody>
+          <a:bodyPr>
+            <a:normAutofit fontScale="25000" lnSpcReduction="20000"/>
+          </a:bodyPr>
+          <a:lstStyle/>
+          <a:p>
+            <a:r>
+              <a:rPr lang="en-US" sz="5600" dirty="0"/>
+              <a:t>The </a:t>
+            </a:r>
+            <a:r>
+              <a:rPr lang="en-US" sz="5600" dirty="0" err="1"/>
+              <a:t>hexbin</a:t>
+            </a:r>
+            <a:r>
+              <a:rPr lang="en-US" sz="5600" dirty="0"/>
+              <a:t> plot in figure 2 has a y axis formatted in the millions, but it’s clear from the plot that almost all the data lined up on the bottom of the plot. </a:t>
+            </a:r>
+          </a:p>
+          <a:p>
+            <a:r>
+              <a:rPr lang="en-US" sz="5600" dirty="0"/>
+              <a:t>This oddity is clarified by the scatter plot to the left of it. For the entire 20</a:t>
+            </a:r>
+            <a:r>
+              <a:rPr lang="en-US" sz="5600" baseline="30000" dirty="0"/>
+              <a:t>th</a:t>
+            </a:r>
+            <a:r>
+              <a:rPr lang="en-US" sz="5600" dirty="0"/>
+              <a:t> and 21</a:t>
+            </a:r>
+            <a:r>
+              <a:rPr lang="en-US" sz="5600" baseline="30000" dirty="0"/>
+              <a:t>st</a:t>
+            </a:r>
+            <a:r>
+              <a:rPr lang="en-US" sz="5600" dirty="0"/>
+              <a:t> centuries, the median number of votes for a movie in IMDb has stayed between 100 and 700 votes, with some oscillation (data not shown). As time has passed, a significant number of outliers have appeared, which dwarf the level of engagement of the average movie by orders of magnitude. </a:t>
+            </a:r>
+          </a:p>
+          <a:p>
+            <a:r>
+              <a:rPr lang="en-US" sz="5600" dirty="0"/>
+              <a:t>Big budget “Hollywood movies” are outliers with respect to the dataset as a whole. </a:t>
+            </a:r>
+          </a:p>
+          <a:p>
+            <a:endParaRPr lang="en-US" dirty="0"/>
+          </a:p>
+        </p:txBody>
+      </p:sp>
+      <p:pic>
+        <p:nvPicPr>
+          <p:cNvPr id="7" name="Content Placeholder 6">
+            <a:extLst>
+              <a:ext uri="{FF2B5EF4-FFF2-40B4-BE49-F238E27FC236}">
+                <a16:creationId xmlns:a16="http://schemas.microsoft.com/office/drawing/2014/main" id="{B55CD444-66FC-EF41-9879-115762F78CC8}"/>
+              </a:ext>
+            </a:extLst>
+          </p:cNvPr>
+          <p:cNvPicPr>
+            <a:picLocks noGrp="1"/>
+          </p:cNvPicPr>
+          <p:nvPr>
+            <p:ph sz="half" idx="2"/>
+          </p:nvPr>
+        </p:nvPicPr>
+        <p:blipFill>
+          <a:blip r:embed="rId2">
+            <a:extLst>
+              <a:ext uri="{28A0092B-C50C-407E-A947-70E740481C1C}">
+                <a14:useLocalDpi xmlns:a14="http://schemas.microsoft.com/office/drawing/2010/main" val="0"/>
+              </a:ext>
+            </a:extLst>
+          </a:blip>
+          <a:srcRect/>
+          <a:stretch>
+            <a:fillRect/>
+          </a:stretch>
+        </p:blipFill>
+        <p:spPr bwMode="auto">
+          <a:xfrm>
+            <a:off x="1027112" y="3132138"/>
+            <a:ext cx="4629150" cy="3086100"/>
           </a:xfrm>
           <a:prstGeom prst="rect">
             <a:avLst/>
           </a:prstGeom>
+          <a:noFill/>
           <a:ln>
             <a:noFill/>
           </a:ln>
         </p:spPr>
-        <p:style>
-          <a:lnRef idx="2">
-            <a:schemeClr val="accent1">
-              <a:shade val="50000"/>
-            </a:schemeClr>
-          </a:lnRef>
-          <a:fillRef idx="1">
-            <a:schemeClr val="accent1"/>
-          </a:fillRef>
-          <a:effectRef idx="0">
-            <a:schemeClr val="accent1"/>
-          </a:effectRef>
-          <a:fontRef idx="minor">
-            <a:schemeClr val="lt1"/>
-          </a:fontRef>
-        </p:style>
-        <p:txBody>
-          <a:bodyPr rtlCol="0" anchor="ctr"/>
-          <a:lstStyle/>
-          <a:p>
-            <a:pPr algn="ctr"/>
-            <a:endParaRPr lang="en-US"/>
-          </a:p>
-        </p:txBody>
-      </p:sp>
-      <p:sp>
-        <p:nvSpPr>
-          <p:cNvPr id="34" name="Rectangle 33">
+      </p:pic>
+      <p:pic>
+        <p:nvPicPr>
+          <p:cNvPr id="8" name="Content Placeholder 7">
             <a:extLst>
               <a:ext uri="{FF2B5EF4-FFF2-40B4-BE49-F238E27FC236}">
-                <a16:creationId xmlns:a16="http://schemas.microsoft.com/office/drawing/2014/main" id="{B2525B01-FF71-4E47-84A9-6A8029A113FD}"/>
-              </a:ext>
-              <a:ext uri="{C183D7F6-B498-43B3-948B-1728B52AA6E4}">
-                <adec:decorative xmlns:adec="http://schemas.microsoft.com/office/drawing/2017/decorative" val="1"/>
+                <a16:creationId xmlns:a16="http://schemas.microsoft.com/office/drawing/2014/main" id="{176D191F-D020-1143-8457-7C4DB917E682}"/>
               </a:ext>
             </a:extLst>
           </p:cNvPr>
-          <p:cNvSpPr>
-            <a:spLocks noGrp="1" noRot="1" noChangeAspect="1" noMove="1" noResize="1" noEditPoints="1" noAdjustHandles="1" noChangeArrowheads="1" noChangeShapeType="1" noTextEdit="1"/>
-          </p:cNvSpPr>
-          <p:nvPr>
-            <p:extLst>
-              <p:ext uri="{386F3935-93C4-4BCD-93E2-E3B085C9AB24}">
-                <p16:designElem xmlns:p16="http://schemas.microsoft.com/office/powerpoint/2015/main" val="1"/>
-              </p:ext>
-            </p:extLst>
-          </p:nvPr>
-        </p:nvSpPr>
-        <p:spPr>
-          <a:xfrm>
-            <a:off x="0" y="0"/>
-            <a:ext cx="12192000" cy="2286000"/>
+          <p:cNvPicPr>
+            <a:picLocks noGrp="1"/>
+          </p:cNvPicPr>
+          <p:nvPr>
+            <p:ph sz="quarter" idx="4"/>
+          </p:nvPr>
+        </p:nvPicPr>
+        <p:blipFill>
+          <a:blip r:embed="rId3">
+            <a:extLst>
+              <a:ext uri="{28A0092B-C50C-407E-A947-70E740481C1C}">
+                <a14:useLocalDpi xmlns:a14="http://schemas.microsoft.com/office/drawing/2010/main" val="0"/>
+              </a:ext>
+            </a:extLst>
+          </a:blip>
+          <a:srcRect/>
+          <a:stretch>
+            <a:fillRect/>
+          </a:stretch>
+        </p:blipFill>
+        <p:spPr bwMode="auto">
+          <a:xfrm>
+            <a:off x="6524625" y="3132138"/>
+            <a:ext cx="4629150" cy="3086100"/>
           </a:xfrm>
           <a:prstGeom prst="rect">
             <a:avLst/>
           </a:prstGeom>
-          <a:gradFill flip="none" rotWithShape="1">
-            <a:gsLst>
-              <a:gs pos="0">
-                <a:schemeClr val="accent1">
-                  <a:lumMod val="89000"/>
-                </a:schemeClr>
-              </a:gs>
-              <a:gs pos="23000">
-                <a:schemeClr val="accent1">
-                  <a:lumMod val="89000"/>
-                </a:schemeClr>
-              </a:gs>
-              <a:gs pos="69000">
-                <a:schemeClr val="accent1">
-                  <a:lumMod val="75000"/>
-                </a:schemeClr>
-              </a:gs>
-              <a:gs pos="97000">
-                <a:schemeClr val="accent1">
-                  <a:lumMod val="70000"/>
-                </a:schemeClr>
-              </a:gs>
-            </a:gsLst>
-            <a:path path="circle">
-              <a:fillToRect l="50000" t="50000" r="50000" b="50000"/>
-            </a:path>
-            <a:tileRect/>
-          </a:gradFill>
+          <a:noFill/>
           <a:ln>
             <a:noFill/>
           </a:ln>
-          <a:effectLst>
-            <a:outerShdw blurRad="50800" dist="38100" dir="5400000" algn="t" rotWithShape="0">
-              <a:prstClr val="black">
-                <a:alpha val="40000"/>
-              </a:prstClr>
-            </a:outerShdw>
-          </a:effectLst>
-        </p:spPr>
-        <p:style>
-          <a:lnRef idx="2">
-            <a:schemeClr val="accent1">
-              <a:shade val="50000"/>
-            </a:schemeClr>
-          </a:lnRef>
-          <a:fillRef idx="1">
-            <a:schemeClr val="accent1"/>
-          </a:fillRef>
-          <a:effectRef idx="0">
-            <a:schemeClr val="accent1"/>
-          </a:effectRef>
-          <a:fontRef idx="minor">
-            <a:schemeClr val="lt1"/>
-          </a:fontRef>
-        </p:style>
-        <p:txBody>
-          <a:bodyPr rtlCol="0" anchor="ctr"/>
-          <a:lstStyle/>
-          <a:p>
-            <a:pPr algn="ctr"/>
-            <a:endParaRPr lang="en-US"/>
-          </a:p>
-        </p:txBody>
-      </p:sp>
-      <p:sp>
-        <p:nvSpPr>
-          <p:cNvPr id="2" name="Title 1">
-            <a:extLst>
-              <a:ext uri="{FF2B5EF4-FFF2-40B4-BE49-F238E27FC236}">
-                <a16:creationId xmlns:a16="http://schemas.microsoft.com/office/drawing/2014/main" id="{E6BD8319-91CB-3348-9392-AACB9507A003}"/>
-              </a:ext>
-            </a:extLst>
-          </p:cNvPr>
-          <p:cNvSpPr>
-            <a:spLocks noGrp="1"/>
-          </p:cNvSpPr>
-          <p:nvPr>
-            <p:ph type="title"/>
-          </p:nvPr>
-        </p:nvSpPr>
-        <p:spPr>
-          <a:xfrm>
-            <a:off x="1739900" y="681142"/>
-            <a:ext cx="9766300" cy="1293028"/>
-          </a:xfrm>
-        </p:spPr>
-        <p:txBody>
-          <a:bodyPr vert="horz" lIns="91440" tIns="45720" rIns="91440" bIns="45720" rtlCol="0">
-            <a:normAutofit/>
-          </a:bodyPr>
-          <a:lstStyle/>
-          <a:p>
-            <a:pPr algn="ctr"/>
-            <a:r>
-              <a:rPr lang="en-US" kern="1200" cap="all" baseline="0" dirty="0">
-                <a:solidFill>
-                  <a:srgbClr val="FFFFFF"/>
-                </a:solidFill>
-                <a:latin typeface="+mj-lt"/>
-                <a:ea typeface="+mj-ea"/>
-                <a:cs typeface="+mj-cs"/>
-              </a:rPr>
-              <a:t>Clean</a:t>
-            </a:r>
-            <a:r>
-              <a:rPr lang="en-US" dirty="0">
-                <a:solidFill>
-                  <a:srgbClr val="FFFFFF"/>
-                </a:solidFill>
-              </a:rPr>
-              <a:t> up process, data exploration</a:t>
-            </a:r>
-            <a:endParaRPr lang="en-US" kern="1200" cap="all" baseline="0" dirty="0">
-              <a:solidFill>
-                <a:srgbClr val="FFFFFF"/>
-              </a:solidFill>
-              <a:latin typeface="+mj-lt"/>
-              <a:ea typeface="+mj-ea"/>
-              <a:cs typeface="+mj-cs"/>
-            </a:endParaRPr>
-          </a:p>
-        </p:txBody>
-      </p:sp>
-      <p:sp>
-        <p:nvSpPr>
-          <p:cNvPr id="27" name="Content Placeholder 26">
-            <a:extLst>
-              <a:ext uri="{FF2B5EF4-FFF2-40B4-BE49-F238E27FC236}">
-                <a16:creationId xmlns:a16="http://schemas.microsoft.com/office/drawing/2014/main" id="{3D080480-8CB9-E147-80C8-F5EE7CCA6A10}"/>
-              </a:ext>
-            </a:extLst>
-          </p:cNvPr>
-          <p:cNvSpPr>
-            <a:spLocks noGrp="1"/>
-          </p:cNvSpPr>
-          <p:nvPr>
-            <p:ph idx="1"/>
-          </p:nvPr>
-        </p:nvSpPr>
-        <p:spPr>
-          <a:xfrm>
-            <a:off x="1739900" y="2821774"/>
-            <a:ext cx="9766299" cy="3396911"/>
-          </a:xfrm>
-        </p:spPr>
-        <p:txBody>
-          <a:bodyPr>
-            <a:normAutofit/>
-          </a:bodyPr>
-          <a:lstStyle/>
-          <a:p>
-            <a:r>
-              <a:rPr lang="en-US" sz="2000" dirty="0"/>
-              <a:t> Open </a:t>
-            </a:r>
-            <a:r>
-              <a:rPr lang="en-US" sz="2000" dirty="0" err="1"/>
-              <a:t>Jupyter</a:t>
-            </a:r>
-            <a:r>
-              <a:rPr lang="en-US" sz="2000" dirty="0"/>
-              <a:t> Notebook for IMDb Movies</a:t>
-            </a:r>
-          </a:p>
-          <a:p>
-            <a:r>
-              <a:rPr lang="en-US" sz="2000" dirty="0"/>
-              <a:t> Data Exploration on </a:t>
-            </a:r>
-            <a:r>
-              <a:rPr lang="en-US" sz="2000" dirty="0" err="1"/>
-              <a:t>Jupyter</a:t>
-            </a:r>
-            <a:r>
-              <a:rPr lang="en-US" sz="2000" dirty="0"/>
-              <a:t> by </a:t>
-            </a:r>
-          </a:p>
-          <a:p>
-            <a:r>
-              <a:rPr lang="en-US" sz="2000" dirty="0"/>
-              <a:t>Analysis Process</a:t>
-            </a:r>
-          </a:p>
-          <a:p>
-            <a:pPr marL="0" indent="0">
-              <a:buNone/>
-            </a:pPr>
-            <a:endParaRPr lang="en-US" sz="2000" dirty="0"/>
-          </a:p>
-          <a:p>
-            <a:pPr marL="0" indent="0">
-              <a:buNone/>
-            </a:pPr>
-            <a:endParaRPr lang="en-US" sz="2000" dirty="0"/>
-          </a:p>
-          <a:p>
-            <a:endParaRPr lang="en-US" sz="2000" dirty="0"/>
-          </a:p>
-        </p:txBody>
-      </p:sp>
+        </p:spPr>
+      </p:pic>
     </p:spTree>
     <p:extLst>
       <p:ext uri="{BB962C8B-B14F-4D97-AF65-F5344CB8AC3E}">
-        <p14:creationId xmlns:p14="http://schemas.microsoft.com/office/powerpoint/2010/main" val="246357634"/>
+        <p14:creationId xmlns:p14="http://schemas.microsoft.com/office/powerpoint/2010/main" val="3243019541"/>
       </p:ext>
     </p:extLst>
   </p:cSld>
   <p:clrMapOvr>
-    <a:overrideClrMapping bg1="dk1" tx1="lt1" bg2="dk2" tx2="lt2" accent1="accent1" accent2="accent2" accent3="accent3" accent4="accent4" accent5="accent5" accent6="accent6" hlink="hlink" folHlink="folHlink"/>
+    <a:masterClrMapping/>
   </p:clrMapOvr>
 </p:sld>
 </file>
 
 <file path=ppt/slides/slide5.xml><?xml version="1.0" encoding="utf-8"?>
+<p:sld xmlns:a="http://schemas.openxmlformats.org/drawingml/2006/main" xmlns:r="http://schemas.openxmlformats.org/officeDocument/2006/relationships" xmlns:p="http://schemas.openxmlformats.org/presentationml/2006/main">
+  <p:cSld>
+    <p:spTree>
+      <p:nvGrpSpPr>
+        <p:cNvPr id="1" name=""/>
+        <p:cNvGrpSpPr/>
+        <p:nvPr/>
+      </p:nvGrpSpPr>
+      <p:grpSpPr>
+        <a:xfrm>
+          <a:off x="0" y="0"/>
+          <a:ext cx="0" cy="0"/>
+          <a:chOff x="0" y="0"/>
+          <a:chExt cx="0" cy="0"/>
+        </a:xfrm>
+      </p:grpSpPr>
+      <p:sp>
+        <p:nvSpPr>
+          <p:cNvPr id="2" name="Title 1">
+            <a:extLst>
+              <a:ext uri="{FF2B5EF4-FFF2-40B4-BE49-F238E27FC236}">
+                <a16:creationId xmlns:a16="http://schemas.microsoft.com/office/drawing/2014/main" id="{8F670B32-8BB3-524A-A90D-52526F48DF06}"/>
+              </a:ext>
+            </a:extLst>
+          </p:cNvPr>
+          <p:cNvSpPr>
+            <a:spLocks noGrp="1"/>
+          </p:cNvSpPr>
+          <p:nvPr>
+            <p:ph type="title"/>
+          </p:nvPr>
+        </p:nvSpPr>
+        <p:spPr>
+          <a:xfrm>
+            <a:off x="1469571" y="794657"/>
+            <a:ext cx="8610600" cy="587829"/>
+          </a:xfrm>
+        </p:spPr>
+        <p:txBody>
+          <a:bodyPr>
+            <a:normAutofit fontScale="90000"/>
+          </a:bodyPr>
+          <a:lstStyle/>
+          <a:p>
+            <a:pPr algn="ctr"/>
+            <a:r>
+              <a:rPr lang="en-US" sz="2000" dirty="0"/>
+              <a:t>Figure 3 – Audiences are More Likely to Give High Marks to Drama, Less Likely to Praise Horror. </a:t>
+            </a:r>
+            <a:br>
+              <a:rPr lang="en-US" dirty="0"/>
+            </a:br>
+            <a:endParaRPr lang="en-US" dirty="0"/>
+          </a:p>
+        </p:txBody>
+      </p:sp>
+      <p:pic>
+        <p:nvPicPr>
+          <p:cNvPr id="7" name="Content Placeholder 6">
+            <a:extLst>
+              <a:ext uri="{FF2B5EF4-FFF2-40B4-BE49-F238E27FC236}">
+                <a16:creationId xmlns:a16="http://schemas.microsoft.com/office/drawing/2014/main" id="{F9B4AC8D-2D37-E143-AD78-C3E123FFDE7B}"/>
+              </a:ext>
+            </a:extLst>
+          </p:cNvPr>
+          <p:cNvPicPr>
+            <a:picLocks noGrp="1"/>
+          </p:cNvPicPr>
+          <p:nvPr>
+            <p:ph sz="half" idx="2"/>
+          </p:nvPr>
+        </p:nvPicPr>
+        <p:blipFill>
+          <a:blip r:embed="rId2">
+            <a:extLst>
+              <a:ext uri="{28A0092B-C50C-407E-A947-70E740481C1C}">
+                <a14:useLocalDpi xmlns:a14="http://schemas.microsoft.com/office/drawing/2010/main" val="0"/>
+              </a:ext>
+            </a:extLst>
+          </a:blip>
+          <a:srcRect/>
+          <a:stretch>
+            <a:fillRect/>
+          </a:stretch>
+        </p:blipFill>
+        <p:spPr bwMode="auto">
+          <a:xfrm>
+            <a:off x="1027112" y="3132138"/>
+            <a:ext cx="4629150" cy="3086100"/>
+          </a:xfrm>
+          <a:prstGeom prst="rect">
+            <a:avLst/>
+          </a:prstGeom>
+          <a:noFill/>
+          <a:ln>
+            <a:noFill/>
+          </a:ln>
+        </p:spPr>
+      </p:pic>
+      <p:pic>
+        <p:nvPicPr>
+          <p:cNvPr id="8" name="Content Placeholder 7">
+            <a:extLst>
+              <a:ext uri="{FF2B5EF4-FFF2-40B4-BE49-F238E27FC236}">
+                <a16:creationId xmlns:a16="http://schemas.microsoft.com/office/drawing/2014/main" id="{F895F704-2EBB-4244-AFF3-6A96F823BE85}"/>
+              </a:ext>
+            </a:extLst>
+          </p:cNvPr>
+          <p:cNvPicPr>
+            <a:picLocks noGrp="1"/>
+          </p:cNvPicPr>
+          <p:nvPr>
+            <p:ph sz="quarter" idx="4"/>
+          </p:nvPr>
+        </p:nvPicPr>
+        <p:blipFill>
+          <a:blip r:embed="rId3">
+            <a:extLst>
+              <a:ext uri="{28A0092B-C50C-407E-A947-70E740481C1C}">
+                <a14:useLocalDpi xmlns:a14="http://schemas.microsoft.com/office/drawing/2010/main" val="0"/>
+              </a:ext>
+            </a:extLst>
+          </a:blip>
+          <a:srcRect/>
+          <a:stretch>
+            <a:fillRect/>
+          </a:stretch>
+        </p:blipFill>
+        <p:spPr bwMode="auto">
+          <a:xfrm>
+            <a:off x="6524625" y="3132138"/>
+            <a:ext cx="4629150" cy="3086100"/>
+          </a:xfrm>
+          <a:prstGeom prst="rect">
+            <a:avLst/>
+          </a:prstGeom>
+          <a:noFill/>
+          <a:ln>
+            <a:noFill/>
+          </a:ln>
+        </p:spPr>
+      </p:pic>
+      <p:sp>
+        <p:nvSpPr>
+          <p:cNvPr id="9" name="Text Placeholder 4">
+            <a:extLst>
+              <a:ext uri="{FF2B5EF4-FFF2-40B4-BE49-F238E27FC236}">
+                <a16:creationId xmlns:a16="http://schemas.microsoft.com/office/drawing/2014/main" id="{C81B5CA0-72F6-F44D-89A4-15E920546DBB}"/>
+              </a:ext>
+            </a:extLst>
+          </p:cNvPr>
+          <p:cNvSpPr>
+            <a:spLocks noGrp="1"/>
+          </p:cNvSpPr>
+          <p:nvPr>
+            <p:ph type="body" idx="1"/>
+          </p:nvPr>
+        </p:nvSpPr>
+        <p:spPr>
+          <a:xfrm>
+            <a:off x="914400" y="1219200"/>
+            <a:ext cx="10239375" cy="1789113"/>
+          </a:xfrm>
+        </p:spPr>
+        <p:txBody>
+          <a:bodyPr>
+            <a:normAutofit/>
+          </a:bodyPr>
+          <a:lstStyle/>
+          <a:p>
+            <a:r>
+              <a:rPr lang="en-US" sz="2000" dirty="0"/>
+              <a:t>Of these singly designated movies, the drama films were most numerous (12543 films) and had the highest median score (6.5). The least numerous single category we looked at was romance, which contained 439 films. The lowest rated genre was horror, with a median score of 4.4. Figure 3 shows a comparison of these categories using a boxplot, which shows some notable differences.</a:t>
+            </a:r>
+          </a:p>
+        </p:txBody>
+      </p:sp>
+    </p:spTree>
+    <p:extLst>
+      <p:ext uri="{BB962C8B-B14F-4D97-AF65-F5344CB8AC3E}">
+        <p14:creationId xmlns:p14="http://schemas.microsoft.com/office/powerpoint/2010/main" val="2644520325"/>
+      </p:ext>
+    </p:extLst>
+  </p:cSld>
+  <p:clrMapOvr>
+    <a:masterClrMapping/>
+  </p:clrMapOvr>
+</p:sld>
+</file>
+
+<file path=ppt/slides/slide6.xml><?xml version="1.0" encoding="utf-8"?>
+<p:sld xmlns:a="http://schemas.openxmlformats.org/drawingml/2006/main" xmlns:r="http://schemas.openxmlformats.org/officeDocument/2006/relationships" xmlns:p="http://schemas.openxmlformats.org/presentationml/2006/main">
+  <p:cSld>
+    <p:spTree>
+      <p:nvGrpSpPr>
+        <p:cNvPr id="1" name=""/>
+        <p:cNvGrpSpPr/>
+        <p:nvPr/>
+      </p:nvGrpSpPr>
+      <p:grpSpPr>
+        <a:xfrm>
+          <a:off x="0" y="0"/>
+          <a:ext cx="0" cy="0"/>
+          <a:chOff x="0" y="0"/>
+          <a:chExt cx="0" cy="0"/>
+        </a:xfrm>
+      </p:grpSpPr>
+      <p:sp>
+        <p:nvSpPr>
+          <p:cNvPr id="2" name="Title 1">
+            <a:extLst>
+              <a:ext uri="{FF2B5EF4-FFF2-40B4-BE49-F238E27FC236}">
+                <a16:creationId xmlns:a16="http://schemas.microsoft.com/office/drawing/2014/main" id="{88AF4B91-1DAE-014D-941D-C196D4C3448F}"/>
+              </a:ext>
+            </a:extLst>
+          </p:cNvPr>
+          <p:cNvSpPr>
+            <a:spLocks noGrp="1"/>
+          </p:cNvSpPr>
+          <p:nvPr>
+            <p:ph type="title"/>
+          </p:nvPr>
+        </p:nvSpPr>
+        <p:spPr>
+          <a:xfrm>
+            <a:off x="1245062" y="1317171"/>
+            <a:ext cx="8610600" cy="707571"/>
+          </a:xfrm>
+        </p:spPr>
+        <p:txBody>
+          <a:bodyPr>
+            <a:normAutofit fontScale="90000"/>
+          </a:bodyPr>
+          <a:lstStyle/>
+          <a:p>
+            <a:r>
+              <a:rPr lang="en-US" sz="2200" dirty="0"/>
+              <a:t>Figure 4 – Budget and Opening Revenue Show Weak Correlation with Average User Score in Big Budget Films</a:t>
+            </a:r>
+            <a:br>
+              <a:rPr lang="en-US" dirty="0"/>
+            </a:br>
+            <a:endParaRPr lang="en-US" dirty="0"/>
+          </a:p>
+        </p:txBody>
+      </p:sp>
+      <p:sp>
+        <p:nvSpPr>
+          <p:cNvPr id="3" name="Text Placeholder 2">
+            <a:extLst>
+              <a:ext uri="{FF2B5EF4-FFF2-40B4-BE49-F238E27FC236}">
+                <a16:creationId xmlns:a16="http://schemas.microsoft.com/office/drawing/2014/main" id="{0E7C3139-C8B8-664D-A2AF-26E450AC3578}"/>
+              </a:ext>
+            </a:extLst>
+          </p:cNvPr>
+          <p:cNvSpPr>
+            <a:spLocks noGrp="1"/>
+          </p:cNvSpPr>
+          <p:nvPr>
+            <p:ph type="body" idx="1"/>
+          </p:nvPr>
+        </p:nvSpPr>
+        <p:spPr>
+          <a:xfrm>
+            <a:off x="1027112" y="968829"/>
+            <a:ext cx="10239366" cy="1777628"/>
+          </a:xfrm>
+        </p:spPr>
+        <p:txBody>
+          <a:bodyPr>
+            <a:normAutofit/>
+          </a:bodyPr>
+          <a:lstStyle/>
+          <a:p>
+            <a:r>
+              <a:rPr lang="en-US" sz="2000" dirty="0"/>
+              <a:t>In figure 4 we can see that budget and opening revenue are weakly correlated to average user vote (roughly 0.28 and 0.27 respectively). </a:t>
+            </a:r>
+          </a:p>
+        </p:txBody>
+      </p:sp>
+      <p:pic>
+        <p:nvPicPr>
+          <p:cNvPr id="7" name="Content Placeholder 6">
+            <a:extLst>
+              <a:ext uri="{FF2B5EF4-FFF2-40B4-BE49-F238E27FC236}">
+                <a16:creationId xmlns:a16="http://schemas.microsoft.com/office/drawing/2014/main" id="{EDD9E3D5-BAD7-544F-AFA3-07B11EFFCEDA}"/>
+              </a:ext>
+            </a:extLst>
+          </p:cNvPr>
+          <p:cNvPicPr>
+            <a:picLocks noGrp="1"/>
+          </p:cNvPicPr>
+          <p:nvPr>
+            <p:ph sz="half" idx="2"/>
+          </p:nvPr>
+        </p:nvPicPr>
+        <p:blipFill>
+          <a:blip r:embed="rId2">
+            <a:extLst>
+              <a:ext uri="{28A0092B-C50C-407E-A947-70E740481C1C}">
+                <a14:useLocalDpi xmlns:a14="http://schemas.microsoft.com/office/drawing/2010/main" val="0"/>
+              </a:ext>
+            </a:extLst>
+          </a:blip>
+          <a:srcRect/>
+          <a:stretch>
+            <a:fillRect/>
+          </a:stretch>
+        </p:blipFill>
+        <p:spPr bwMode="auto">
+          <a:xfrm>
+            <a:off x="1027112" y="3132138"/>
+            <a:ext cx="4629150" cy="3086100"/>
+          </a:xfrm>
+          <a:prstGeom prst="rect">
+            <a:avLst/>
+          </a:prstGeom>
+          <a:noFill/>
+          <a:ln>
+            <a:noFill/>
+          </a:ln>
+        </p:spPr>
+      </p:pic>
+      <p:pic>
+        <p:nvPicPr>
+          <p:cNvPr id="8" name="Content Placeholder 7">
+            <a:extLst>
+              <a:ext uri="{FF2B5EF4-FFF2-40B4-BE49-F238E27FC236}">
+                <a16:creationId xmlns:a16="http://schemas.microsoft.com/office/drawing/2014/main" id="{609946D8-AE5E-0D4B-9CD2-4EC7718F940F}"/>
+              </a:ext>
+            </a:extLst>
+          </p:cNvPr>
+          <p:cNvPicPr>
+            <a:picLocks noGrp="1"/>
+          </p:cNvPicPr>
+          <p:nvPr>
+            <p:ph sz="quarter" idx="4"/>
+          </p:nvPr>
+        </p:nvPicPr>
+        <p:blipFill>
+          <a:blip r:embed="rId3">
+            <a:extLst>
+              <a:ext uri="{28A0092B-C50C-407E-A947-70E740481C1C}">
+                <a14:useLocalDpi xmlns:a14="http://schemas.microsoft.com/office/drawing/2010/main" val="0"/>
+              </a:ext>
+            </a:extLst>
+          </a:blip>
+          <a:srcRect/>
+          <a:stretch>
+            <a:fillRect/>
+          </a:stretch>
+        </p:blipFill>
+        <p:spPr bwMode="auto">
+          <a:xfrm>
+            <a:off x="6524625" y="3132138"/>
+            <a:ext cx="4629150" cy="3086100"/>
+          </a:xfrm>
+          <a:prstGeom prst="rect">
+            <a:avLst/>
+          </a:prstGeom>
+          <a:noFill/>
+          <a:ln>
+            <a:noFill/>
+          </a:ln>
+        </p:spPr>
+      </p:pic>
+    </p:spTree>
+    <p:extLst>
+      <p:ext uri="{BB962C8B-B14F-4D97-AF65-F5344CB8AC3E}">
+        <p14:creationId xmlns:p14="http://schemas.microsoft.com/office/powerpoint/2010/main" val="299233156"/>
+      </p:ext>
+    </p:extLst>
+  </p:cSld>
+  <p:clrMapOvr>
+    <a:masterClrMapping/>
+  </p:clrMapOvr>
+</p:sld>
+</file>
+
+<file path=ppt/slides/slide7.xml><?xml version="1.0" encoding="utf-8"?>
+<p:sld xmlns:a="http://schemas.openxmlformats.org/drawingml/2006/main" xmlns:r="http://schemas.openxmlformats.org/officeDocument/2006/relationships" xmlns:p="http://schemas.openxmlformats.org/presentationml/2006/main">
+  <p:cSld>
+    <p:spTree>
+      <p:nvGrpSpPr>
+        <p:cNvPr id="1" name=""/>
+        <p:cNvGrpSpPr/>
+        <p:nvPr/>
+      </p:nvGrpSpPr>
+      <p:grpSpPr>
+        <a:xfrm>
+          <a:off x="0" y="0"/>
+          <a:ext cx="0" cy="0"/>
+          <a:chOff x="0" y="0"/>
+          <a:chExt cx="0" cy="0"/>
+        </a:xfrm>
+      </p:grpSpPr>
+      <p:sp>
+        <p:nvSpPr>
+          <p:cNvPr id="2" name="Title 1">
+            <a:extLst>
+              <a:ext uri="{FF2B5EF4-FFF2-40B4-BE49-F238E27FC236}">
+                <a16:creationId xmlns:a16="http://schemas.microsoft.com/office/drawing/2014/main" id="{06C23CF8-7314-0042-8194-72EAE63539CF}"/>
+              </a:ext>
+            </a:extLst>
+          </p:cNvPr>
+          <p:cNvSpPr>
+            <a:spLocks noGrp="1"/>
+          </p:cNvSpPr>
+          <p:nvPr>
+            <p:ph type="title"/>
+          </p:nvPr>
+        </p:nvSpPr>
+        <p:spPr>
+          <a:xfrm>
+            <a:off x="1790700" y="763978"/>
+            <a:ext cx="8610600" cy="1295400"/>
+          </a:xfrm>
+        </p:spPr>
+        <p:txBody>
+          <a:bodyPr>
+            <a:normAutofit fontScale="90000"/>
+          </a:bodyPr>
+          <a:lstStyle/>
+          <a:p>
+            <a:r>
+              <a:rPr lang="en-US" sz="2200" dirty="0"/>
+              <a:t>Figure 5 – Budget and Opening Revenue Show a Slightly Stronger Correlation with Total Votes in Big Budget Films</a:t>
+            </a:r>
+            <a:br>
+              <a:rPr lang="en-US" dirty="0"/>
+            </a:br>
+            <a:endParaRPr lang="en-US" dirty="0"/>
+          </a:p>
+        </p:txBody>
+      </p:sp>
+      <p:sp>
+        <p:nvSpPr>
+          <p:cNvPr id="3" name="Text Placeholder 2">
+            <a:extLst>
+              <a:ext uri="{FF2B5EF4-FFF2-40B4-BE49-F238E27FC236}">
+                <a16:creationId xmlns:a16="http://schemas.microsoft.com/office/drawing/2014/main" id="{CB4F7669-E530-E74E-93E7-20E089720515}"/>
+              </a:ext>
+            </a:extLst>
+          </p:cNvPr>
+          <p:cNvSpPr>
+            <a:spLocks noGrp="1"/>
+          </p:cNvSpPr>
+          <p:nvPr>
+            <p:ph type="body" idx="1"/>
+          </p:nvPr>
+        </p:nvSpPr>
+        <p:spPr>
+          <a:xfrm>
+            <a:off x="925290" y="1948058"/>
+            <a:ext cx="10341420" cy="1295400"/>
+          </a:xfrm>
+        </p:spPr>
+        <p:txBody>
+          <a:bodyPr>
+            <a:normAutofit fontScale="77500" lnSpcReduction="20000"/>
+          </a:bodyPr>
+          <a:lstStyle/>
+          <a:p>
+            <a:r>
+              <a:rPr lang="en-US" sz="2300" dirty="0"/>
+              <a:t>It appears that the more money is spent on a movie, or the more that it makes on opening weekend, the less likely it is to be panned by its audience. The opposite does not appear to be true though, as there are a large number of points that show lower budget films, and lower earning films getting high average scores. Budget and opening weekend revenue appear correlated with the total number of votes to a slightly higher degree (0.39 and 0.38 respectively) but still not all that strongly. </a:t>
+            </a:r>
+          </a:p>
+          <a:p>
+            <a:endParaRPr lang="en-US" dirty="0"/>
+          </a:p>
+        </p:txBody>
+      </p:sp>
+      <p:pic>
+        <p:nvPicPr>
+          <p:cNvPr id="7" name="Content Placeholder 6">
+            <a:extLst>
+              <a:ext uri="{FF2B5EF4-FFF2-40B4-BE49-F238E27FC236}">
+                <a16:creationId xmlns:a16="http://schemas.microsoft.com/office/drawing/2014/main" id="{AC679EE8-034B-C747-BEB1-ACBB6EAC29AE}"/>
+              </a:ext>
+            </a:extLst>
+          </p:cNvPr>
+          <p:cNvPicPr>
+            <a:picLocks noGrp="1"/>
+          </p:cNvPicPr>
+          <p:nvPr>
+            <p:ph sz="half" idx="2"/>
+          </p:nvPr>
+        </p:nvPicPr>
+        <p:blipFill>
+          <a:blip r:embed="rId2">
+            <a:extLst>
+              <a:ext uri="{28A0092B-C50C-407E-A947-70E740481C1C}">
+                <a14:useLocalDpi xmlns:a14="http://schemas.microsoft.com/office/drawing/2010/main" val="0"/>
+              </a:ext>
+            </a:extLst>
+          </a:blip>
+          <a:srcRect/>
+          <a:stretch>
+            <a:fillRect/>
+          </a:stretch>
+        </p:blipFill>
+        <p:spPr bwMode="auto">
+          <a:xfrm>
+            <a:off x="1027112" y="3132138"/>
+            <a:ext cx="4629150" cy="3086100"/>
+          </a:xfrm>
+          <a:prstGeom prst="rect">
+            <a:avLst/>
+          </a:prstGeom>
+          <a:noFill/>
+          <a:ln>
+            <a:noFill/>
+          </a:ln>
+        </p:spPr>
+      </p:pic>
+      <p:pic>
+        <p:nvPicPr>
+          <p:cNvPr id="8" name="Content Placeholder 7">
+            <a:extLst>
+              <a:ext uri="{FF2B5EF4-FFF2-40B4-BE49-F238E27FC236}">
+                <a16:creationId xmlns:a16="http://schemas.microsoft.com/office/drawing/2014/main" id="{D33535EE-4B59-7E40-8C08-85CFC8B27A58}"/>
+              </a:ext>
+            </a:extLst>
+          </p:cNvPr>
+          <p:cNvPicPr>
+            <a:picLocks noGrp="1"/>
+          </p:cNvPicPr>
+          <p:nvPr>
+            <p:ph sz="quarter" idx="4"/>
+          </p:nvPr>
+        </p:nvPicPr>
+        <p:blipFill>
+          <a:blip r:embed="rId3">
+            <a:extLst>
+              <a:ext uri="{28A0092B-C50C-407E-A947-70E740481C1C}">
+                <a14:useLocalDpi xmlns:a14="http://schemas.microsoft.com/office/drawing/2010/main" val="0"/>
+              </a:ext>
+            </a:extLst>
+          </a:blip>
+          <a:srcRect/>
+          <a:stretch>
+            <a:fillRect/>
+          </a:stretch>
+        </p:blipFill>
+        <p:spPr bwMode="auto">
+          <a:xfrm>
+            <a:off x="6524625" y="3132138"/>
+            <a:ext cx="4629150" cy="3086100"/>
+          </a:xfrm>
+          <a:prstGeom prst="rect">
+            <a:avLst/>
+          </a:prstGeom>
+          <a:noFill/>
+          <a:ln>
+            <a:noFill/>
+          </a:ln>
+        </p:spPr>
+      </p:pic>
+    </p:spTree>
+    <p:extLst>
+      <p:ext uri="{BB962C8B-B14F-4D97-AF65-F5344CB8AC3E}">
+        <p14:creationId xmlns:p14="http://schemas.microsoft.com/office/powerpoint/2010/main" val="592367689"/>
+      </p:ext>
+    </p:extLst>
+  </p:cSld>
+  <p:clrMapOvr>
+    <a:masterClrMapping/>
+  </p:clrMapOvr>
+</p:sld>
+</file>
+
+<file path=ppt/slides/slide8.xml><?xml version="1.0" encoding="utf-8"?>
 <p:sld xmlns:a="http://schemas.openxmlformats.org/drawingml/2006/main" xmlns:r="http://schemas.openxmlformats.org/officeDocument/2006/relationships" xmlns:p="http://schemas.openxmlformats.org/presentationml/2006/main">
   <p:cSld>
     <p:bg>
@@ -9917,7 +10175,7 @@
             <p:ph idx="1"/>
             <p:extLst>
               <p:ext uri="{D42A27DB-BD31-4B8C-83A1-F6EECF244321}">
-                <p14:modId xmlns:p14="http://schemas.microsoft.com/office/powerpoint/2010/main" val="3346567641"/>
+                <p14:modId xmlns:p14="http://schemas.microsoft.com/office/powerpoint/2010/main" val="3259713355"/>
               </p:ext>
             </p:extLst>
           </p:nvPr>
@@ -9936,220 +10194,6 @@
     <p:extLst>
       <p:ext uri="{BB962C8B-B14F-4D97-AF65-F5344CB8AC3E}">
         <p14:creationId xmlns:p14="http://schemas.microsoft.com/office/powerpoint/2010/main" val="953707947"/>
-      </p:ext>
-    </p:extLst>
-  </p:cSld>
-  <p:clrMapOvr>
-    <a:masterClrMapping/>
-  </p:clrMapOvr>
-</p:sld>
-</file>
-
-<file path=ppt/slides/slide6.xml><?xml version="1.0" encoding="utf-8"?>
-<p:sld xmlns:a="http://schemas.openxmlformats.org/drawingml/2006/main" xmlns:r="http://schemas.openxmlformats.org/officeDocument/2006/relationships" xmlns:p="http://schemas.openxmlformats.org/presentationml/2006/main">
-  <p:cSld>
-    <p:bg>
-      <p:bgPr>
-        <a:solidFill>
-          <a:schemeClr val="bg1"/>
-        </a:solidFill>
-        <a:effectLst/>
-      </p:bgPr>
-    </p:bg>
-    <p:spTree>
-      <p:nvGrpSpPr>
-        <p:cNvPr id="1" name=""/>
-        <p:cNvGrpSpPr/>
-        <p:nvPr/>
-      </p:nvGrpSpPr>
-      <p:grpSpPr>
-        <a:xfrm>
-          <a:off x="0" y="0"/>
-          <a:ext cx="0" cy="0"/>
-          <a:chOff x="0" y="0"/>
-          <a:chExt cx="0" cy="0"/>
-        </a:xfrm>
-      </p:grpSpPr>
-      <p:sp>
-        <p:nvSpPr>
-          <p:cNvPr id="18" name="Rectangle 13">
-            <a:extLst>
-              <a:ext uri="{FF2B5EF4-FFF2-40B4-BE49-F238E27FC236}">
-                <a16:creationId xmlns:a16="http://schemas.microsoft.com/office/drawing/2014/main" id="{1EA5387D-64D8-4D6C-B109-FF4E81DF609A}"/>
-              </a:ext>
-              <a:ext uri="{C183D7F6-B498-43B3-948B-1728B52AA6E4}">
-                <adec:decorative xmlns:adec="http://schemas.microsoft.com/office/drawing/2017/decorative" val="1"/>
-              </a:ext>
-            </a:extLst>
-          </p:cNvPr>
-          <p:cNvSpPr>
-            <a:spLocks noGrp="1" noRot="1" noChangeAspect="1" noMove="1" noResize="1" noEditPoints="1" noAdjustHandles="1" noChangeArrowheads="1" noChangeShapeType="1" noTextEdit="1"/>
-          </p:cNvSpPr>
-          <p:nvPr>
-            <p:extLst>
-              <p:ext uri="{386F3935-93C4-4BCD-93E2-E3B085C9AB24}">
-                <p16:designElem xmlns:p16="http://schemas.microsoft.com/office/powerpoint/2015/main" val="1"/>
-              </p:ext>
-            </p:extLst>
-          </p:nvPr>
-        </p:nvSpPr>
-        <p:spPr>
-          <a:xfrm>
-            <a:off x="0" y="0"/>
-            <a:ext cx="12192000" cy="6858000"/>
-          </a:xfrm>
-          <a:prstGeom prst="rect">
-            <a:avLst/>
-          </a:prstGeom>
-          <a:solidFill>
-            <a:schemeClr val="bg1"/>
-          </a:solidFill>
-          <a:ln>
-            <a:noFill/>
-          </a:ln>
-        </p:spPr>
-        <p:style>
-          <a:lnRef idx="2">
-            <a:schemeClr val="accent1">
-              <a:shade val="50000"/>
-            </a:schemeClr>
-          </a:lnRef>
-          <a:fillRef idx="1">
-            <a:schemeClr val="accent1"/>
-          </a:fillRef>
-          <a:effectRef idx="0">
-            <a:schemeClr val="accent1"/>
-          </a:effectRef>
-          <a:fontRef idx="minor">
-            <a:schemeClr val="lt1"/>
-          </a:fontRef>
-        </p:style>
-        <p:txBody>
-          <a:bodyPr rtlCol="0" anchor="ctr"/>
-          <a:lstStyle/>
-          <a:p>
-            <a:pPr algn="ctr"/>
-            <a:endParaRPr lang="en-US"/>
-          </a:p>
-        </p:txBody>
-      </p:sp>
-      <p:pic>
-        <p:nvPicPr>
-          <p:cNvPr id="5" name="Picture 4">
-            <a:extLst>
-              <a:ext uri="{FF2B5EF4-FFF2-40B4-BE49-F238E27FC236}">
-                <a16:creationId xmlns:a16="http://schemas.microsoft.com/office/drawing/2014/main" id="{0E2554B1-4F55-487C-9ABC-2584406F35D7}"/>
-              </a:ext>
-            </a:extLst>
-          </p:cNvPr>
-          <p:cNvPicPr>
-            <a:picLocks noChangeAspect="1"/>
-          </p:cNvPicPr>
-          <p:nvPr/>
-        </p:nvPicPr>
-        <p:blipFill rotWithShape="1">
-          <a:blip r:embed="rId2">
-            <a:alphaModFix amt="30000"/>
-          </a:blip>
-          <a:srcRect t="8537"/>
-          <a:stretch/>
-        </p:blipFill>
-        <p:spPr>
-          <a:xfrm>
-            <a:off x="20" y="10"/>
-            <a:ext cx="12191980" cy="6857990"/>
-          </a:xfrm>
-          <a:prstGeom prst="rect">
-            <a:avLst/>
-          </a:prstGeom>
-        </p:spPr>
-      </p:pic>
-      <p:sp>
-        <p:nvSpPr>
-          <p:cNvPr id="2" name="Title 1">
-            <a:extLst>
-              <a:ext uri="{FF2B5EF4-FFF2-40B4-BE49-F238E27FC236}">
-                <a16:creationId xmlns:a16="http://schemas.microsoft.com/office/drawing/2014/main" id="{016EE625-ABEA-5D41-925E-4765805C3C4C}"/>
-              </a:ext>
-            </a:extLst>
-          </p:cNvPr>
-          <p:cNvSpPr>
-            <a:spLocks noGrp="1"/>
-          </p:cNvSpPr>
-          <p:nvPr>
-            <p:ph type="title"/>
-          </p:nvPr>
-        </p:nvSpPr>
-        <p:spPr>
-          <a:xfrm>
-            <a:off x="2895600" y="764373"/>
-            <a:ext cx="8610600" cy="1293028"/>
-          </a:xfrm>
-        </p:spPr>
-        <p:txBody>
-          <a:bodyPr>
-            <a:normAutofit/>
-          </a:bodyPr>
-          <a:lstStyle/>
-          <a:p>
-            <a:r>
-              <a:rPr lang="en-US"/>
-              <a:t>FINDINGS MEAN?</a:t>
-            </a:r>
-          </a:p>
-        </p:txBody>
-      </p:sp>
-      <p:sp>
-        <p:nvSpPr>
-          <p:cNvPr id="3" name="Content Placeholder 2">
-            <a:extLst>
-              <a:ext uri="{FF2B5EF4-FFF2-40B4-BE49-F238E27FC236}">
-                <a16:creationId xmlns:a16="http://schemas.microsoft.com/office/drawing/2014/main" id="{FD8466BF-C945-DB45-BFB1-EB7B136FA075}"/>
-              </a:ext>
-            </a:extLst>
-          </p:cNvPr>
-          <p:cNvSpPr>
-            <a:spLocks noGrp="1"/>
-          </p:cNvSpPr>
-          <p:nvPr>
-            <p:ph idx="1"/>
-          </p:nvPr>
-        </p:nvSpPr>
-        <p:spPr>
-          <a:xfrm>
-            <a:off x="685800" y="2194560"/>
-            <a:ext cx="10820400" cy="4024125"/>
-          </a:xfrm>
-        </p:spPr>
-        <p:txBody>
-          <a:bodyPr>
-            <a:normAutofit/>
-          </a:bodyPr>
-          <a:lstStyle/>
-          <a:p>
-            <a:r>
-              <a:rPr lang="en-US"/>
-              <a:t>MOVIES MATTERS TO EVERYONE!</a:t>
-            </a:r>
-          </a:p>
-          <a:p>
-            <a:r>
-              <a:rPr lang="en-US"/>
-              <a:t>MOVIES IS AN ENJOYMENT TO ALL VIEWERS</a:t>
-            </a:r>
-          </a:p>
-          <a:p>
-            <a:endParaRPr lang="en-US"/>
-          </a:p>
-          <a:p>
-            <a:endParaRPr lang="en-US"/>
-          </a:p>
-        </p:txBody>
-      </p:sp>
-    </p:spTree>
-    <p:extLst>
-      <p:ext uri="{BB962C8B-B14F-4D97-AF65-F5344CB8AC3E}">
-        <p14:creationId xmlns:p14="http://schemas.microsoft.com/office/powerpoint/2010/main" val="1428512609"/>
       </p:ext>
     </p:extLst>
   </p:cSld>
